--- a/index.pptx
+++ b/index.pptx
@@ -832,11 +832,14 @@
           <a:bodyPr/>
           <a:lstStyle>
             <a:lvl1pPr>
-              <a:defRPr sz="2400"/>
+              <a:defRPr sz="2000"/>
             </a:lvl1pPr>
             <a:lvl2pPr>
-              <a:defRPr sz="1800"/>
+              <a:defRPr sz="2000"/>
             </a:lvl2pPr>
+            <a:lvl3pPr>
+              <a:defRPr sz="2000"/>
+            </a:lvl3pPr>
           </a:lstStyle>
           <a:p>
             <a:pPr lvl="0"/>
@@ -2749,24 +2752,9 @@
             </a:pPr>
             <a:r>
               <a:rPr lang="en-GB" dirty="0"/>
-              <a:t>Click </a:t>
-            </a:r>
-            <a:r>
-              <a:rPr lang="en-GB" dirty="0" err="1"/>
-              <a:t>toClick</a:t>
-            </a:r>
-            <a:r>
-              <a:rPr lang="en-GB" dirty="0"/>
-              <a:t> to edit Master title style</a:t>
+              <a:t>Click to edit Master title style</a:t>
             </a:r>
             <a:endParaRPr lang="en-US" dirty="0"/>
-          </a:p>
-          <a:p>
-            <a:pPr lvl="0"/>
-            <a:r>
-              <a:rPr lang="en-GB" dirty="0"/>
-              <a:t> edit Master text styles</a:t>
-            </a:r>
           </a:p>
           <a:p>
             <a:pPr lvl="1"/>
@@ -3076,7 +3064,7 @@
         <a:buFont typeface="Arial"/>
         <a:buChar char="•"/>
         <a:tabLst/>
-        <a:defRPr sz="1800" kern="1200">
+        <a:defRPr sz="1600" kern="1200">
           <a:solidFill>
             <a:schemeClr val="tx1"/>
           </a:solidFill>
@@ -3506,17 +3494,20 @@
         </p:nvSpPr>
         <p:spPr/>
         <p:txBody>
-          <a:bodyPr/>
+          <a:bodyPr>
+            <a:normAutofit/>
+          </a:bodyPr>
           <a:lstStyle/>
           <a:p>
             <a:pPr lvl="1">
               <a:buAutoNum type="arabicPeriod"/>
             </a:pPr>
             <a:r>
-              <a:rPr i="1"/>
+              <a:rPr sz="1900" i="1" dirty="0"/>
               <a:t>Nils Weitzel</a:t>
             </a:r>
             <a:r>
+              <a:rPr sz="1900" dirty="0"/>
               <a:t>, Combining a proxy synthesis and climate simulations for spatial reconstructions of European climate using Bayesian filtering</a:t>
             </a:r>
           </a:p>
@@ -3525,11 +3516,20 @@
               <a:buAutoNum type="arabicPeriod"/>
             </a:pPr>
             <a:r>
-              <a:rPr i="1"/>
+              <a:rPr sz="1900" i="1" dirty="0"/>
               <a:t>Lauren Gregoire</a:t>
             </a:r>
             <a:r>
-              <a:t>, Searching for the deglaciation: sampling spatio-temporal climate uncertainty for simulating ice sheet evolution</a:t>
+              <a:rPr sz="1900" dirty="0"/>
+              <a:t>, Searching for the deglaciation: sampling </a:t>
+            </a:r>
+            <a:r>
+              <a:rPr sz="1900" dirty="0" err="1"/>
+              <a:t>spatio</a:t>
+            </a:r>
+            <a:r>
+              <a:rPr sz="1900" dirty="0"/>
+              <a:t>-temporal climate uncertainty for simulating ice sheet evolution</a:t>
             </a:r>
           </a:p>
           <a:p>
@@ -3537,10 +3537,11 @@
               <a:buAutoNum type="arabicPeriod"/>
             </a:pPr>
             <a:r>
-              <a:rPr i="1"/>
+              <a:rPr sz="1900" i="1" dirty="0"/>
               <a:t>Lambert Caron</a:t>
             </a:r>
             <a:r>
+              <a:rPr sz="1900" dirty="0"/>
               <a:t>, Quantifying the Information Content of Relative Sea-level and Geodetic Data for Constraint on North American GIA Models</a:t>
             </a:r>
           </a:p>
@@ -3549,11 +3550,20 @@
               <a:buAutoNum type="arabicPeriod"/>
             </a:pPr>
             <a:r>
-              <a:rPr i="1"/>
+              <a:rPr sz="1900" i="1" dirty="0"/>
               <a:t>Erica Ashe</a:t>
             </a:r>
             <a:r>
-              <a:t>, Estimating global sea level over the late Holocene using a spatio-temporal empirical Bayesian hierarchical framework</a:t>
+              <a:rPr sz="1900" dirty="0"/>
+              <a:t>, Estimating global sea level over the late Holocene using a </a:t>
+            </a:r>
+            <a:r>
+              <a:rPr sz="1900" dirty="0" err="1"/>
+              <a:t>spatio</a:t>
+            </a:r>
+            <a:r>
+              <a:rPr sz="1900" dirty="0"/>
+              <a:t>-temporal empirical Bayesian hierarchical framework</a:t>
             </a:r>
           </a:p>
           <a:p>
@@ -3561,10 +3571,11 @@
               <a:buAutoNum type="arabicPeriod"/>
             </a:pPr>
             <a:r>
-              <a:rPr i="1"/>
+              <a:rPr sz="1900" i="1" dirty="0"/>
               <a:t>Marco Antonio Aquino Lopez</a:t>
             </a:r>
             <a:r>
+              <a:rPr sz="1900" dirty="0"/>
               <a:t>, Bayesian improvements to 210Pb dating</a:t>
             </a:r>
           </a:p>
@@ -4493,12 +4504,6 @@
             </a:r>
           </a:p>
           <a:p>
-            <a:pPr lvl="1"/>
-            <a:r>
-              <a:t>You can do anything you like with this posterior spreadsheet!</a:t>
-            </a:r>
-          </a:p>
-          <a:p>
             <a:pPr marL="1270000" lvl="0" indent="0">
               <a:buNone/>
             </a:pPr>
@@ -4507,11 +4512,11 @@
                 <a:latin typeface="Courier"/>
               </a:rPr>
               <a:t>##   c(t_1) c(t_2) c(t_3)
-## 1 -0.174  0.045 -0.546
-## 2  0.983 -0.971  2.394
-## 3 -2.236  1.770  0.343
-## 4 -0.266  0.304  0.220
-## 5 -0.605 -0.468 -0.997</a:t>
+## 1  0.911  0.806 -0.629
+## 2 -2.029  0.534  0.319
+## 3  1.736  0.671  0.556
+## 4  1.747 -1.848 -0.531
+## 5 -0.463 -1.247  0.507</a:t>
             </a:r>
           </a:p>
         </p:txBody>

--- a/index.pptx
+++ b/index.pptx
@@ -16,7 +16,7 @@
     <p:sldId id="264" r:id="rId10"/>
     <p:sldId id="265" r:id="rId11"/>
   </p:sldIdLst>
-  <p:sldSz cx="9144000" cy="6858000" type="screen4x3"/>
+  <p:sldSz cx="12192000" cy="6858000"/>
   <p:notesSz cx="6858000" cy="9144000"/>
   <p:defaultTextStyle>
     <a:defPPr>
@@ -116,12 +116,12 @@
   <p:extLst>
     <p:ext uri="{EFAFB233-063F-42B5-8137-9DF3F51BA10A}">
       <p15:sldGuideLst xmlns:p15="http://schemas.microsoft.com/office/powerpoint/2012/main">
-        <p15:guide id="1" orient="horz" pos="2160">
+        <p15:guide id="1" orient="horz" pos="2160" userDrawn="1">
           <p15:clr>
             <a:srgbClr val="A4A3A4"/>
           </p15:clr>
         </p15:guide>
-        <p15:guide id="2" pos="2880">
+        <p15:guide id="2" pos="3840" userDrawn="1">
           <p15:clr>
             <a:srgbClr val="A4A3A4"/>
           </p15:clr>
@@ -176,8 +176,8 @@
         </p:blipFill>
         <p:spPr>
           <a:xfrm>
-            <a:off x="0" y="0"/>
-            <a:ext cx="9144000" cy="5810491"/>
+            <a:off x="0" y="1"/>
+            <a:ext cx="12192000" cy="5810491"/>
           </a:xfrm>
           <a:prstGeom prst="rect">
             <a:avLst/>
@@ -196,8 +196,8 @@
         </p:nvSpPr>
         <p:spPr>
           <a:xfrm>
-            <a:off x="685800" y="2130425"/>
-            <a:ext cx="7772400" cy="1470025"/>
+            <a:off x="914400" y="2130426"/>
+            <a:ext cx="10363200" cy="1470025"/>
           </a:xfrm>
           <a:solidFill>
             <a:srgbClr val="184A53">
@@ -236,8 +236,8 @@
         </p:nvSpPr>
         <p:spPr>
           <a:xfrm>
-            <a:off x="685800" y="3623600"/>
-            <a:ext cx="7772400" cy="1631306"/>
+            <a:off x="914400" y="3623600"/>
+            <a:ext cx="10363200" cy="1631306"/>
           </a:xfrm>
           <a:solidFill>
             <a:srgbClr val="184A53">
@@ -626,8 +626,8 @@
         </p:nvSpPr>
         <p:spPr>
           <a:xfrm>
-            <a:off x="6629400" y="274638"/>
-            <a:ext cx="2057400" cy="5851525"/>
+            <a:off x="8839200" y="274639"/>
+            <a:ext cx="2743200" cy="5851525"/>
           </a:xfrm>
         </p:spPr>
         <p:txBody>
@@ -654,8 +654,8 @@
         </p:nvSpPr>
         <p:spPr>
           <a:xfrm>
-            <a:off x="457200" y="274638"/>
-            <a:ext cx="6019800" cy="5851525"/>
+            <a:off x="609600" y="274639"/>
+            <a:ext cx="8026400" cy="5851525"/>
           </a:xfrm>
         </p:spPr>
         <p:txBody>
@@ -986,8 +986,8 @@
         </p:nvSpPr>
         <p:spPr>
           <a:xfrm>
-            <a:off x="722313" y="4406900"/>
-            <a:ext cx="7772400" cy="1362075"/>
+            <a:off x="963084" y="4406901"/>
+            <a:ext cx="10363200" cy="1362075"/>
           </a:xfrm>
         </p:spPr>
         <p:txBody>
@@ -1018,8 +1018,8 @@
         </p:nvSpPr>
         <p:spPr>
           <a:xfrm>
-            <a:off x="722313" y="2906713"/>
-            <a:ext cx="7772400" cy="1500187"/>
+            <a:off x="963084" y="2906713"/>
+            <a:ext cx="10363200" cy="1500187"/>
           </a:xfrm>
         </p:spPr>
         <p:txBody>
@@ -1253,8 +1253,8 @@
         </p:nvSpPr>
         <p:spPr>
           <a:xfrm>
-            <a:off x="457200" y="1600200"/>
-            <a:ext cx="4038600" cy="4525963"/>
+            <a:off x="609600" y="1600201"/>
+            <a:ext cx="5384800" cy="4525963"/>
           </a:xfrm>
         </p:spPr>
         <p:txBody>
@@ -1338,8 +1338,8 @@
         </p:nvSpPr>
         <p:spPr>
           <a:xfrm>
-            <a:off x="4648200" y="1600200"/>
-            <a:ext cx="4038600" cy="4525963"/>
+            <a:off x="6197600" y="1600201"/>
+            <a:ext cx="5384800" cy="4525963"/>
           </a:xfrm>
         </p:spPr>
         <p:txBody>
@@ -1545,8 +1545,8 @@
         </p:nvSpPr>
         <p:spPr>
           <a:xfrm>
-            <a:off x="457200" y="1535113"/>
-            <a:ext cx="4040188" cy="639762"/>
+            <a:off x="609600" y="1535113"/>
+            <a:ext cx="5386917" cy="639762"/>
           </a:xfrm>
         </p:spPr>
         <p:txBody>
@@ -1610,8 +1610,8 @@
         </p:nvSpPr>
         <p:spPr>
           <a:xfrm>
-            <a:off x="457200" y="2174875"/>
-            <a:ext cx="4040188" cy="3951288"/>
+            <a:off x="609600" y="2174875"/>
+            <a:ext cx="5386917" cy="3951288"/>
           </a:xfrm>
         </p:spPr>
         <p:txBody>
@@ -1695,8 +1695,8 @@
         </p:nvSpPr>
         <p:spPr>
           <a:xfrm>
-            <a:off x="4645025" y="1535113"/>
-            <a:ext cx="4041775" cy="639762"/>
+            <a:off x="6193368" y="1535113"/>
+            <a:ext cx="5389033" cy="639762"/>
           </a:xfrm>
         </p:spPr>
         <p:txBody>
@@ -1760,8 +1760,8 @@
         </p:nvSpPr>
         <p:spPr>
           <a:xfrm>
-            <a:off x="4645025" y="2174875"/>
-            <a:ext cx="4041775" cy="3951288"/>
+            <a:off x="6193368" y="2174875"/>
+            <a:ext cx="5389033" cy="3951288"/>
           </a:xfrm>
         </p:spPr>
         <p:txBody>
@@ -2153,8 +2153,8 @@
         </p:nvSpPr>
         <p:spPr>
           <a:xfrm>
-            <a:off x="457200" y="273050"/>
-            <a:ext cx="3008313" cy="1162050"/>
+            <a:off x="609601" y="273050"/>
+            <a:ext cx="4011084" cy="1162050"/>
           </a:xfrm>
         </p:spPr>
         <p:txBody>
@@ -2185,8 +2185,8 @@
         </p:nvSpPr>
         <p:spPr>
           <a:xfrm>
-            <a:off x="3575050" y="273050"/>
-            <a:ext cx="5111750" cy="5853113"/>
+            <a:off x="4766733" y="273051"/>
+            <a:ext cx="6815667" cy="5853113"/>
           </a:xfrm>
         </p:spPr>
         <p:txBody>
@@ -2270,8 +2270,8 @@
         </p:nvSpPr>
         <p:spPr>
           <a:xfrm>
-            <a:off x="457200" y="1435100"/>
-            <a:ext cx="3008313" cy="4691063"/>
+            <a:off x="609601" y="1435101"/>
+            <a:ext cx="4011084" cy="4691063"/>
           </a:xfrm>
         </p:spPr>
         <p:txBody>
@@ -2430,8 +2430,8 @@
         </p:nvSpPr>
         <p:spPr>
           <a:xfrm>
-            <a:off x="1792288" y="4800600"/>
-            <a:ext cx="5486400" cy="566738"/>
+            <a:off x="2389717" y="4800600"/>
+            <a:ext cx="7315200" cy="566738"/>
           </a:xfrm>
         </p:spPr>
         <p:txBody>
@@ -2462,8 +2462,8 @@
         </p:nvSpPr>
         <p:spPr>
           <a:xfrm>
-            <a:off x="1792288" y="612775"/>
-            <a:ext cx="5486400" cy="4114800"/>
+            <a:off x="2389717" y="612775"/>
+            <a:ext cx="7315200" cy="4114800"/>
           </a:xfrm>
         </p:spPr>
         <p:txBody>
@@ -2523,8 +2523,8 @@
         </p:nvSpPr>
         <p:spPr>
           <a:xfrm>
-            <a:off x="1792288" y="5367338"/>
-            <a:ext cx="5486400" cy="804862"/>
+            <a:off x="2389717" y="5367338"/>
+            <a:ext cx="7315200" cy="804862"/>
           </a:xfrm>
         </p:spPr>
         <p:txBody>
@@ -2688,8 +2688,8 @@
         </p:nvSpPr>
         <p:spPr>
           <a:xfrm>
-            <a:off x="457200" y="274638"/>
-            <a:ext cx="8229600" cy="596219"/>
+            <a:off x="609600" y="274639"/>
+            <a:ext cx="10972800" cy="596219"/>
           </a:xfrm>
           <a:prstGeom prst="rect">
             <a:avLst/>
@@ -2720,8 +2720,8 @@
         </p:nvSpPr>
         <p:spPr>
           <a:xfrm>
-            <a:off x="457200" y="1146632"/>
-            <a:ext cx="8229600" cy="4525963"/>
+            <a:off x="609600" y="1146633"/>
+            <a:ext cx="10972800" cy="4525963"/>
           </a:xfrm>
           <a:prstGeom prst="rect">
             <a:avLst/>
@@ -2799,8 +2799,8 @@
         </p:nvSpPr>
         <p:spPr>
           <a:xfrm>
-            <a:off x="457200" y="6356350"/>
-            <a:ext cx="2133600" cy="365125"/>
+            <a:off x="609600" y="6356351"/>
+            <a:ext cx="2844800" cy="365125"/>
           </a:xfrm>
           <a:prstGeom prst="rect">
             <a:avLst/>
@@ -2840,8 +2840,8 @@
         </p:nvSpPr>
         <p:spPr>
           <a:xfrm>
-            <a:off x="3124200" y="6356350"/>
-            <a:ext cx="2895600" cy="365125"/>
+            <a:off x="4165600" y="6356351"/>
+            <a:ext cx="3860800" cy="365125"/>
           </a:xfrm>
           <a:prstGeom prst="rect">
             <a:avLst/>
@@ -2877,8 +2877,8 @@
         </p:nvSpPr>
         <p:spPr>
           <a:xfrm>
-            <a:off x="6553200" y="6356350"/>
-            <a:ext cx="2133600" cy="365125"/>
+            <a:off x="8737600" y="6356351"/>
+            <a:ext cx="2844800" cy="365125"/>
           </a:xfrm>
           <a:prstGeom prst="rect">
             <a:avLst/>
@@ -2914,8 +2914,8 @@
         </p:nvSpPr>
         <p:spPr>
           <a:xfrm>
-            <a:off x="4060688" y="6280240"/>
-            <a:ext cx="4848414" cy="307777"/>
+            <a:off x="5414251" y="6280241"/>
+            <a:ext cx="6464552" cy="307777"/>
           </a:xfrm>
           <a:prstGeom prst="rect">
             <a:avLst/>
@@ -2966,8 +2966,8 @@
         </p:blipFill>
         <p:spPr>
           <a:xfrm>
-            <a:off x="62646" y="5851937"/>
-            <a:ext cx="2625604" cy="978408"/>
+            <a:off x="83529" y="5851937"/>
+            <a:ext cx="2844800" cy="978408"/>
           </a:xfrm>
           <a:prstGeom prst="rect">
             <a:avLst/>
@@ -2982,8 +2982,8 @@
         </p:nvCxnSpPr>
         <p:spPr>
           <a:xfrm>
-            <a:off x="-32770" y="5860636"/>
-            <a:ext cx="9214015" cy="0"/>
+            <a:off x="-43692" y="5860636"/>
+            <a:ext cx="12285353" cy="0"/>
           </a:xfrm>
           <a:prstGeom prst="line">
             <a:avLst/>
@@ -3337,7 +3337,7 @@
           <p:nvPr userDrawn="1"/>
         </p:nvPicPr>
         <p:blipFill rotWithShape="1">
-          <a:blip>
+          <a:blip r:embed="rId2">
             <a:extLst>
               <a:ext uri="{28A0092B-C50C-407E-A947-70E740481C1C}">
                 <a14:useLocalDpi xmlns:a14="http://schemas.microsoft.com/office/drawing/2010/main" val="0"/>
@@ -3349,8 +3349,8 @@
         </p:blipFill>
         <p:spPr>
           <a:xfrm>
-            <a:off x="0" y="0"/>
-            <a:ext cx="9144000" cy="5810491"/>
+            <a:off x="0" y="1"/>
+            <a:ext cx="12192000" cy="5810491"/>
           </a:xfrm>
           <a:prstGeom prst="rect">
             <a:avLst/>
@@ -3369,8 +3369,8 @@
         </p:nvSpPr>
         <p:spPr>
           <a:xfrm>
-            <a:off x="685800" y="2130425"/>
-            <a:ext cx="7772400" cy="1470025"/>
+            <a:off x="914400" y="2130426"/>
+            <a:ext cx="10363200" cy="1470025"/>
           </a:xfrm>
           <a:solidFill>
             <a:srgbClr val="184A53">
@@ -3385,11 +3385,60 @@
           <a:bodyPr/>
           <a:lstStyle/>
           <a:p>
-            <a:pPr marL="0" lvl="0" indent="0">
+            <a:pPr lvl="0" marL="0" indent="0">
               <a:buNone/>
             </a:pPr>
             <a:r>
-              <a:t>An introduction to Bayesian statistics for palaeoclimatologists</a:t>
+              <a:rPr/>
+              <a:t>An</a:t>
+            </a:r>
+            <a:r>
+              <a:rPr/>
+              <a:t> </a:t>
+            </a:r>
+            <a:r>
+              <a:rPr/>
+              <a:t>introduction</a:t>
+            </a:r>
+            <a:r>
+              <a:rPr/>
+              <a:t> </a:t>
+            </a:r>
+            <a:r>
+              <a:rPr/>
+              <a:t>to</a:t>
+            </a:r>
+            <a:r>
+              <a:rPr/>
+              <a:t> </a:t>
+            </a:r>
+            <a:r>
+              <a:rPr/>
+              <a:t>Bayesian</a:t>
+            </a:r>
+            <a:r>
+              <a:rPr/>
+              <a:t> </a:t>
+            </a:r>
+            <a:r>
+              <a:rPr/>
+              <a:t>statistics</a:t>
+            </a:r>
+            <a:r>
+              <a:rPr/>
+              <a:t> </a:t>
+            </a:r>
+            <a:r>
+              <a:rPr/>
+              <a:t>for</a:t>
+            </a:r>
+            <a:r>
+              <a:rPr/>
+              <a:t> </a:t>
+            </a:r>
+            <a:r>
+              <a:rPr/>
+              <a:t>palaeoclimatologists</a:t>
             </a:r>
           </a:p>
         </p:txBody>
@@ -3406,8 +3455,8 @@
         </p:nvSpPr>
         <p:spPr>
           <a:xfrm>
-            <a:off x="685800" y="3623600"/>
-            <a:ext cx="7772400" cy="1631306"/>
+            <a:off x="914400" y="3623600"/>
+            <a:ext cx="10363200" cy="1631306"/>
           </a:xfrm>
           <a:solidFill>
             <a:srgbClr val="184A53">
@@ -3422,22 +3471,68 @@
           <a:bodyPr/>
           <a:lstStyle/>
           <a:p>
-            <a:pPr marL="0" lvl="0" indent="0">
+            <a:pPr lvl="0" marL="0" indent="0">
               <a:buNone/>
             </a:pPr>
             <a:br/>
             <a:br/>
             <a:r>
-              <a:t>Andrew C Parnell, Niamh Cahill, Michael Salter-Townshend</a:t>
+              <a:rPr/>
+              <a:t>Andrew</a:t>
+            </a:r>
+            <a:r>
+              <a:rPr/>
+              <a:t> </a:t>
+            </a:r>
+            <a:r>
+              <a:rPr/>
+              <a:t>C</a:t>
+            </a:r>
+            <a:r>
+              <a:rPr/>
+              <a:t> </a:t>
+            </a:r>
+            <a:r>
+              <a:rPr/>
+              <a:t>Parnell,</a:t>
+            </a:r>
+            <a:r>
+              <a:rPr/>
+              <a:t> </a:t>
+            </a:r>
+            <a:r>
+              <a:rPr/>
+              <a:t>Niamh</a:t>
+            </a:r>
+            <a:r>
+              <a:rPr/>
+              <a:t> </a:t>
+            </a:r>
+            <a:r>
+              <a:rPr/>
+              <a:t>Cahill,</a:t>
+            </a:r>
+            <a:r>
+              <a:rPr/>
+              <a:t> </a:t>
+            </a:r>
+            <a:r>
+              <a:rPr/>
+              <a:t>Michael</a:t>
+            </a:r>
+            <a:r>
+              <a:rPr/>
+              <a:t> </a:t>
+            </a:r>
+            <a:r>
+              <a:rPr/>
+              <a:t>Salter-Townshend</a:t>
             </a:r>
           </a:p>
         </p:txBody>
       </p:sp>
     </p:spTree>
   </p:cSld>
-  <p:clrMapOvr>
-    <a:masterClrMapping/>
-  </p:clrMapOvr>
 </p:sld>
 </file>
 
@@ -3473,11 +3568,44 @@
           <a:bodyPr/>
           <a:lstStyle/>
           <a:p>
-            <a:pPr marL="0" lvl="0" indent="0">
+            <a:pPr lvl="0" marL="0" indent="0">
               <a:buNone/>
             </a:pPr>
             <a:r>
-              <a:t>The rest of this session</a:t>
+              <a:rPr/>
+              <a:t>The</a:t>
+            </a:r>
+            <a:r>
+              <a:rPr/>
+              <a:t> </a:t>
+            </a:r>
+            <a:r>
+              <a:rPr/>
+              <a:t>rest</a:t>
+            </a:r>
+            <a:r>
+              <a:rPr/>
+              <a:t> </a:t>
+            </a:r>
+            <a:r>
+              <a:rPr/>
+              <a:t>of</a:t>
+            </a:r>
+            <a:r>
+              <a:rPr/>
+              <a:t> </a:t>
+            </a:r>
+            <a:r>
+              <a:rPr/>
+              <a:t>this</a:t>
+            </a:r>
+            <a:r>
+              <a:rPr/>
+              <a:t> </a:t>
+            </a:r>
+            <a:r>
+              <a:rPr/>
+              <a:t>session</a:t>
             </a:r>
           </a:p>
         </p:txBody>
@@ -3494,20 +3622,18 @@
         </p:nvSpPr>
         <p:spPr/>
         <p:txBody>
-          <a:bodyPr>
-            <a:normAutofit/>
-          </a:bodyPr>
+          <a:bodyPr/>
           <a:lstStyle/>
           <a:p>
             <a:pPr lvl="1">
               <a:buAutoNum type="arabicPeriod"/>
             </a:pPr>
             <a:r>
-              <a:rPr sz="1900" i="1" dirty="0"/>
+              <a:rPr i="1"/>
               <a:t>Nils Weitzel</a:t>
             </a:r>
             <a:r>
-              <a:rPr sz="1900" dirty="0"/>
+              <a:rPr/>
               <a:t>, Combining a proxy synthesis and climate simulations for spatial reconstructions of European climate using Bayesian filtering</a:t>
             </a:r>
           </a:p>
@@ -3516,20 +3642,12 @@
               <a:buAutoNum type="arabicPeriod"/>
             </a:pPr>
             <a:r>
-              <a:rPr sz="1900" i="1" dirty="0"/>
+              <a:rPr i="1"/>
               <a:t>Lauren Gregoire</a:t>
             </a:r>
             <a:r>
-              <a:rPr sz="1900" dirty="0"/>
-              <a:t>, Searching for the deglaciation: sampling </a:t>
-            </a:r>
-            <a:r>
-              <a:rPr sz="1900" dirty="0" err="1"/>
-              <a:t>spatio</a:t>
-            </a:r>
-            <a:r>
-              <a:rPr sz="1900" dirty="0"/>
-              <a:t>-temporal climate uncertainty for simulating ice sheet evolution</a:t>
+              <a:rPr/>
+              <a:t>, Searching for the deglaciation: sampling spatio-temporal climate uncertainty for simulating ice sheet evolution</a:t>
             </a:r>
           </a:p>
           <a:p>
@@ -3537,11 +3655,11 @@
               <a:buAutoNum type="arabicPeriod"/>
             </a:pPr>
             <a:r>
-              <a:rPr sz="1900" i="1" dirty="0"/>
+              <a:rPr i="1"/>
               <a:t>Lambert Caron</a:t>
             </a:r>
             <a:r>
-              <a:rPr sz="1900" dirty="0"/>
+              <a:rPr/>
               <a:t>, Quantifying the Information Content of Relative Sea-level and Geodetic Data for Constraint on North American GIA Models</a:t>
             </a:r>
           </a:p>
@@ -3550,20 +3668,12 @@
               <a:buAutoNum type="arabicPeriod"/>
             </a:pPr>
             <a:r>
-              <a:rPr sz="1900" i="1" dirty="0"/>
+              <a:rPr i="1"/>
               <a:t>Erica Ashe</a:t>
             </a:r>
             <a:r>
-              <a:rPr sz="1900" dirty="0"/>
-              <a:t>, Estimating global sea level over the late Holocene using a </a:t>
-            </a:r>
-            <a:r>
-              <a:rPr sz="1900" dirty="0" err="1"/>
-              <a:t>spatio</a:t>
-            </a:r>
-            <a:r>
-              <a:rPr sz="1900" dirty="0"/>
-              <a:t>-temporal empirical Bayesian hierarchical framework</a:t>
+              <a:rPr/>
+              <a:t>, Estimating global sea level over the late Holocene using a spatio-temporal empirical Bayesian hierarchical framework</a:t>
             </a:r>
           </a:p>
           <a:p>
@@ -3571,11 +3681,11 @@
               <a:buAutoNum type="arabicPeriod"/>
             </a:pPr>
             <a:r>
-              <a:rPr sz="1900" i="1" dirty="0"/>
+              <a:rPr i="1"/>
               <a:t>Marco Antonio Aquino Lopez</a:t>
             </a:r>
             <a:r>
-              <a:rPr sz="1900" dirty="0"/>
+              <a:rPr/>
               <a:t>, Bayesian improvements to 210Pb dating</a:t>
             </a:r>
           </a:p>
@@ -3583,9 +3693,6 @@
       </p:sp>
     </p:spTree>
   </p:cSld>
-  <p:clrMapOvr>
-    <a:masterClrMapping/>
-  </p:clrMapOvr>
 </p:sld>
 </file>
 
@@ -3621,200 +3728,159 @@
           <a:bodyPr/>
           <a:lstStyle/>
           <a:p>
-            <a:pPr marL="0" lvl="0" indent="0">
+            <a:pPr lvl="0" marL="0" indent="0">
               <a:buNone/>
             </a:pPr>
             <a:r>
-              <a:t>Who was Bayes?</a:t>
-            </a:r>
-          </a:p>
-        </p:txBody>
-      </p:sp>
-      <p:sp>
-        <p:nvSpPr>
-          <p:cNvPr id="3" name="Content Placeholder 2"/>
-          <p:cNvSpPr>
-            <a:spLocks noGrp="1"/>
-          </p:cNvSpPr>
-          <p:nvPr>
-            <p:ph sz="half" idx="1"/>
-          </p:nvPr>
-        </p:nvSpPr>
-        <p:spPr/>
-        <p:txBody>
-          <a:bodyPr/>
-          <a:lstStyle/>
-          <a:p>
-            <a:pPr marL="0" lvl="0" indent="0">
-              <a:buNone/>
-            </a:pPr>
-            <a:r>
-              <a:rPr i="1"/>
-              <a:t>An essay towards solving a problem on the doctrine of chances</a:t>
-            </a:r>
-            <a:r>
-              <a:t> (1763)</a:t>
-            </a:r>
-          </a:p>
-          <a:p>
-            <a:pPr marL="0" lvl="0" indent="0">
-              <a:buNone/>
-            </a:pPr>
-            <a:endParaRPr/>
-          </a:p>
-          <a:p>
-            <a:pPr marL="0" lvl="0" indent="0">
-              <a:buNone/>
-            </a:pPr>
-            <a14:m xmlns:a14="http://schemas.microsoft.com/office/drawing/2010/main">
-              <m:oMathPara xmlns:m="http://schemas.openxmlformats.org/officeDocument/2006/math">
-                <m:oMathParaPr>
-                  <m:jc m:val="center"/>
-                </m:oMathParaPr>
-                <m:oMath xmlns:m="http://schemas.openxmlformats.org/officeDocument/2006/math">
-                  <m:r>
-                    <a:rPr>
-                      <a:latin typeface="Cambria Math" panose="02040503050406030204" pitchFamily="18" charset="0"/>
-                    </a:rPr>
-                    <m:t>𝑃</m:t>
-                  </m:r>
-                  <m:r>
-                    <a:rPr>
-                      <a:latin typeface="Cambria Math" panose="02040503050406030204" pitchFamily="18" charset="0"/>
-                    </a:rPr>
-                    <m:t>(</m:t>
-                  </m:r>
-                  <m:r>
-                    <a:rPr>
-                      <a:latin typeface="Cambria Math" panose="02040503050406030204" pitchFamily="18" charset="0"/>
-                    </a:rPr>
-                    <m:t>𝐴</m:t>
-                  </m:r>
-                  <m:r>
-                    <a:rPr>
-                      <a:latin typeface="Cambria Math" panose="02040503050406030204" pitchFamily="18" charset="0"/>
-                    </a:rPr>
-                    <m:t>|</m:t>
-                  </m:r>
-                  <m:r>
-                    <a:rPr>
-                      <a:latin typeface="Cambria Math" panose="02040503050406030204" pitchFamily="18" charset="0"/>
-                    </a:rPr>
-                    <m:t>𝐵</m:t>
-                  </m:r>
-                  <m:r>
-                    <a:rPr>
-                      <a:latin typeface="Cambria Math" panose="02040503050406030204" pitchFamily="18" charset="0"/>
-                    </a:rPr>
-                    <m:t>)=</m:t>
-                  </m:r>
-                  <m:f>
-                    <m:fPr>
-                      <m:ctrlPr>
-                        <a:rPr i="1">
-                          <a:latin typeface="Cambria Math" panose="02040503050406030204" pitchFamily="18" charset="0"/>
-                        </a:rPr>
-                      </m:ctrlPr>
-                    </m:fPr>
-                    <m:num>
+              <a:rPr/>
+              <a:t>Who</a:t>
+            </a:r>
+            <a:r>
+              <a:rPr/>
+              <a:t> </a:t>
+            </a:r>
+            <a:r>
+              <a:rPr/>
+              <a:t>was</a:t>
+            </a:r>
+            <a:r>
+              <a:rPr/>
+              <a:t> </a:t>
+            </a:r>
+            <a:r>
+              <a:rPr/>
+              <a:t>Bayes?</a:t>
+            </a:r>
+          </a:p>
+        </p:txBody>
+      </p:sp>
+      <mc:AlternateContent xmlns:mc="http://schemas.openxmlformats.org/markup-compatibility/2006">
+        <mc:Choice xmlns:a14="http://schemas.microsoft.com/office/drawing/2010/main" Requires="a14">
+          <p:sp>
+            <p:nvSpPr>
+              <p:cNvPr id="3" name="Content Placeholder 2"/>
+              <p:cNvSpPr>
+                <a:spLocks noGrp="1"/>
+              </p:cNvSpPr>
+              <p:nvPr>
+                <p:ph sz="half" idx="1"/>
+              </p:nvPr>
+            </p:nvSpPr>
+            <p:spPr/>
+            <p:txBody>
+              <a:bodyPr/>
+              <a:lstStyle/>
+              <a:p>
+                <a:pPr lvl="0" marL="0" indent="0">
+                  <a:buNone/>
+                </a:pPr>
+                <a:r>
+                  <a:rPr i="1"/>
+                  <a:t>An essay towards solving a problem on the doctrine of chances</a:t>
+                </a:r>
+                <a:r>
+                  <a:rPr/>
+                  <a:t> (1763)</a:t>
+                </a:r>
+              </a:p>
+              <a:p>
+                <a:pPr lvl="0" marL="0" indent="0">
+                  <a:buNone/>
+                </a:pPr>
+              </a:p>
+              <a:p>
+                <a:pPr lvl="0" marL="0" indent="0">
+                  <a:buNone/>
+                </a:pPr>
+                <a14:m>
+                  <m:oMathPara xmlns:m="http://schemas.openxmlformats.org/officeDocument/2006/math">
+                    <m:oMathParaPr>
+                      <m:jc m:val="center"/>
+                    </m:oMathParaPr>
+                    <m:oMath>
                       <m:r>
-                        <a:rPr>
-                          <a:latin typeface="Cambria Math" panose="02040503050406030204" pitchFamily="18" charset="0"/>
-                        </a:rPr>
-                        <m:t>𝑃</m:t>
+                        <m:t>P</m:t>
                       </m:r>
                       <m:r>
-                        <a:rPr>
-                          <a:latin typeface="Cambria Math" panose="02040503050406030204" pitchFamily="18" charset="0"/>
-                        </a:rPr>
                         <m:t>(</m:t>
                       </m:r>
                       <m:r>
-                        <a:rPr>
-                          <a:latin typeface="Cambria Math" panose="02040503050406030204" pitchFamily="18" charset="0"/>
-                        </a:rPr>
-                        <m:t>𝐵</m:t>
+                        <m:t>A</m:t>
                       </m:r>
                       <m:r>
-                        <a:rPr>
-                          <a:latin typeface="Cambria Math" panose="02040503050406030204" pitchFamily="18" charset="0"/>
-                        </a:rPr>
                         <m:t>|</m:t>
                       </m:r>
                       <m:r>
-                        <a:rPr>
-                          <a:latin typeface="Cambria Math" panose="02040503050406030204" pitchFamily="18" charset="0"/>
-                        </a:rPr>
-                        <m:t>𝐴</m:t>
+                        <m:t>B</m:t>
                       </m:r>
                       <m:r>
-                        <a:rPr>
-                          <a:latin typeface="Cambria Math" panose="02040503050406030204" pitchFamily="18" charset="0"/>
-                        </a:rPr>
                         <m:t>)</m:t>
                       </m:r>
                       <m:r>
-                        <a:rPr>
-                          <a:latin typeface="Cambria Math" panose="02040503050406030204" pitchFamily="18" charset="0"/>
-                        </a:rPr>
-                        <m:t>𝑃</m:t>
+                        <m:t>=</m:t>
                       </m:r>
-                      <m:r>
-                        <a:rPr>
-                          <a:latin typeface="Cambria Math" panose="02040503050406030204" pitchFamily="18" charset="0"/>
-                        </a:rPr>
-                        <m:t>(</m:t>
-                      </m:r>
-                      <m:r>
-                        <a:rPr>
-                          <a:latin typeface="Cambria Math" panose="02040503050406030204" pitchFamily="18" charset="0"/>
-                        </a:rPr>
-                        <m:t>𝐴</m:t>
-                      </m:r>
-                      <m:r>
-                        <a:rPr>
-                          <a:latin typeface="Cambria Math" panose="02040503050406030204" pitchFamily="18" charset="0"/>
-                        </a:rPr>
-                        <m:t>)</m:t>
-                      </m:r>
-                    </m:num>
-                    <m:den>
-                      <m:r>
-                        <a:rPr>
-                          <a:latin typeface="Cambria Math" panose="02040503050406030204" pitchFamily="18" charset="0"/>
-                        </a:rPr>
-                        <m:t>𝑃</m:t>
-                      </m:r>
-                      <m:r>
-                        <a:rPr>
-                          <a:latin typeface="Cambria Math" panose="02040503050406030204" pitchFamily="18" charset="0"/>
-                        </a:rPr>
-                        <m:t>(</m:t>
-                      </m:r>
-                      <m:r>
-                        <a:rPr>
-                          <a:latin typeface="Cambria Math" panose="02040503050406030204" pitchFamily="18" charset="0"/>
-                        </a:rPr>
-                        <m:t>𝐵</m:t>
-                      </m:r>
-                      <m:r>
-                        <a:rPr>
-                          <a:latin typeface="Cambria Math" panose="02040503050406030204" pitchFamily="18" charset="0"/>
-                        </a:rPr>
-                        <m:t>)</m:t>
-                      </m:r>
-                    </m:den>
-                  </m:f>
-                </m:oMath>
-              </m:oMathPara>
-            </a14:m>
-            <a:endParaRPr/>
-          </a:p>
-        </p:txBody>
-      </p:sp>
+                      <m:f>
+                        <m:fPr>
+                          <m:type m:val="bar"/>
+                        </m:fPr>
+                        <m:num>
+                          <m:r>
+                            <m:t>P</m:t>
+                          </m:r>
+                          <m:r>
+                            <m:t>(</m:t>
+                          </m:r>
+                          <m:r>
+                            <m:t>B</m:t>
+                          </m:r>
+                          <m:r>
+                            <m:t>|</m:t>
+                          </m:r>
+                          <m:r>
+                            <m:t>A</m:t>
+                          </m:r>
+                          <m:r>
+                            <m:t>)</m:t>
+                          </m:r>
+                          <m:r>
+                            <m:t>P</m:t>
+                          </m:r>
+                          <m:r>
+                            <m:t>(</m:t>
+                          </m:r>
+                          <m:r>
+                            <m:t>A</m:t>
+                          </m:r>
+                          <m:r>
+                            <m:t>)</m:t>
+                          </m:r>
+                        </m:num>
+                        <m:den>
+                          <m:r>
+                            <m:t>P</m:t>
+                          </m:r>
+                          <m:r>
+                            <m:t>(</m:t>
+                          </m:r>
+                          <m:r>
+                            <m:t>B</m:t>
+                          </m:r>
+                          <m:r>
+                            <m:t>)</m:t>
+                          </m:r>
+                        </m:den>
+                      </m:f>
+                    </m:oMath>
+                  </m:oMathPara>
+                </a14:m>
+              </a:p>
+            </p:txBody>
+          </p:sp>
+        </mc:Choice>
+      </mc:AlternateContent>
       <p:pic>
         <p:nvPicPr>
-          <p:cNvPr id="4" name="Picture 1" descr="https://upload.wikimedia.org/wikipedia/commons/d/d4/Thomas_Bayes.gif"/>
+          <p:cNvPr descr="https://upload.wikimedia.org/wikipedia/commons/d/d4/Thomas_Bayes.gif" id="0" name="Picture 1"/>
           <p:cNvPicPr>
             <a:picLocks noGrp="1" noChangeAspect="1"/>
           </p:cNvPicPr>
@@ -3828,8 +3894,8 @@
         </p:blipFill>
         <p:spPr bwMode="auto">
           <a:xfrm>
-            <a:off x="4648200" y="1689100"/>
-            <a:ext cx="4038600" cy="4330700"/>
+            <a:off x="6781800" y="1600200"/>
+            <a:ext cx="4216400" cy="4521200"/>
           </a:xfrm>
           <a:prstGeom prst="rect">
             <a:avLst/>
@@ -3844,9 +3910,6 @@
       </p:pic>
     </p:spTree>
   </p:cSld>
-  <p:clrMapOvr>
-    <a:masterClrMapping/>
-  </p:clrMapOvr>
 </p:sld>
 </file>
 
@@ -3882,18 +3945,35 @@
           <a:bodyPr/>
           <a:lstStyle/>
           <a:p>
-            <a:pPr marL="0" lvl="0" indent="0">
+            <a:pPr lvl="0" marL="0" indent="0">
               <a:buNone/>
             </a:pPr>
             <a:r>
-              <a:t>What is Bayes?</a:t>
+              <a:rPr/>
+              <a:t>What</a:t>
+            </a:r>
+            <a:r>
+              <a:rPr/>
+              <a:t> </a:t>
+            </a:r>
+            <a:r>
+              <a:rPr/>
+              <a:t>is</a:t>
+            </a:r>
+            <a:r>
+              <a:rPr/>
+              <a:t> </a:t>
+            </a:r>
+            <a:r>
+              <a:rPr/>
+              <a:t>Bayes?</a:t>
             </a:r>
           </a:p>
         </p:txBody>
       </p:sp>
       <p:pic>
         <p:nvPicPr>
-          <p:cNvPr id="3" name="Picture 1" descr="index_files/figure-pptx/unnamed-chunk-1-1.png"/>
+          <p:cNvPr descr="index_files/figure-pptx/unnamed-chunk-1-1.png" id="0" name="Picture 1"/>
           <p:cNvPicPr>
             <a:picLocks noGrp="1" noChangeAspect="1"/>
           </p:cNvPicPr>
@@ -3907,8 +3987,8 @@
         </p:blipFill>
         <p:spPr bwMode="auto">
           <a:xfrm>
-            <a:off x="1752600" y="1143000"/>
-            <a:ext cx="5651500" cy="4521200"/>
+            <a:off x="1574800" y="1143000"/>
+            <a:ext cx="9042400" cy="4521200"/>
           </a:xfrm>
           <a:prstGeom prst="rect">
             <a:avLst/>
@@ -3923,9 +4003,6 @@
       </p:pic>
     </p:spTree>
   </p:cSld>
-  <p:clrMapOvr>
-    <a:masterClrMapping/>
-  </p:clrMapOvr>
 </p:sld>
 </file>
 
@@ -3961,11 +4038,36 @@
           <a:bodyPr/>
           <a:lstStyle/>
           <a:p>
-            <a:pPr marL="0" lvl="0" indent="0">
+            <a:pPr lvl="0" marL="0" indent="0">
               <a:buNone/>
             </a:pPr>
             <a:r>
-              <a:t>How does it work?</a:t>
+              <a:rPr/>
+              <a:t>How</a:t>
+            </a:r>
+            <a:r>
+              <a:rPr/>
+              <a:t> </a:t>
+            </a:r>
+            <a:r>
+              <a:rPr/>
+              <a:t>does</a:t>
+            </a:r>
+            <a:r>
+              <a:rPr/>
+              <a:t> </a:t>
+            </a:r>
+            <a:r>
+              <a:rPr/>
+              <a:t>it</a:t>
+            </a:r>
+            <a:r>
+              <a:rPr/>
+              <a:t> </a:t>
+            </a:r>
+            <a:r>
+              <a:rPr/>
+              <a:t>work?</a:t>
             </a:r>
           </a:p>
         </p:txBody>
@@ -3989,6 +4091,7 @@
               <a:buAutoNum type="arabicPeriod"/>
             </a:pPr>
             <a:r>
+              <a:rPr/>
               <a:t>Divide up your world into things you know (</a:t>
             </a:r>
             <a:r>
@@ -3996,6 +4099,7 @@
               <a:t>data</a:t>
             </a:r>
             <a:r>
+              <a:rPr/>
               <a:t>) and things you don’t know (</a:t>
             </a:r>
             <a:r>
@@ -4003,6 +4107,7 @@
               <a:t>parameters</a:t>
             </a:r>
             <a:r>
+              <a:rPr/>
               <a:t>)</a:t>
             </a:r>
           </a:p>
@@ -4011,6 +4116,7 @@
               <a:buAutoNum type="arabicPeriod"/>
             </a:pPr>
             <a:r>
+              <a:rPr/>
               <a:t>Create a </a:t>
             </a:r>
             <a:r>
@@ -4018,6 +4124,7 @@
               <a:t>generative model</a:t>
             </a:r>
             <a:r>
+              <a:rPr/>
               <a:t> that says what the data would look like if you knew what the parameters were</a:t>
             </a:r>
           </a:p>
@@ -4026,6 +4133,7 @@
               <a:buAutoNum type="arabicPeriod"/>
             </a:pPr>
             <a:r>
+              <a:rPr/>
               <a:t>Calculate the </a:t>
             </a:r>
             <a:r>
@@ -4033,6 +4141,7 @@
               <a:t>posterior</a:t>
             </a:r>
             <a:r>
+              <a:rPr/>
               <a:t> probability distribution to obtain our new knowledge using Bayes’ theorem (and a helpful R package or Bayesian statistician)</a:t>
             </a:r>
           </a:p>
@@ -4040,9 +4149,6 @@
       </p:sp>
     </p:spTree>
   </p:cSld>
-  <p:clrMapOvr>
-    <a:masterClrMapping/>
-  </p:clrMapOvr>
 </p:sld>
 </file>
 
@@ -4078,11 +4184,60 @@
           <a:bodyPr/>
           <a:lstStyle/>
           <a:p>
-            <a:pPr marL="0" lvl="0" indent="0">
+            <a:pPr lvl="0" marL="0" indent="0">
               <a:buNone/>
             </a:pPr>
             <a:r>
-              <a:t>How does this work for palaeoclimate reconstruction</a:t>
+              <a:rPr/>
+              <a:t>How</a:t>
+            </a:r>
+            <a:r>
+              <a:rPr/>
+              <a:t> </a:t>
+            </a:r>
+            <a:r>
+              <a:rPr/>
+              <a:t>does</a:t>
+            </a:r>
+            <a:r>
+              <a:rPr/>
+              <a:t> </a:t>
+            </a:r>
+            <a:r>
+              <a:rPr/>
+              <a:t>this</a:t>
+            </a:r>
+            <a:r>
+              <a:rPr/>
+              <a:t> </a:t>
+            </a:r>
+            <a:r>
+              <a:rPr/>
+              <a:t>work</a:t>
+            </a:r>
+            <a:r>
+              <a:rPr/>
+              <a:t> </a:t>
+            </a:r>
+            <a:r>
+              <a:rPr/>
+              <a:t>for</a:t>
+            </a:r>
+            <a:r>
+              <a:rPr/>
+              <a:t> </a:t>
+            </a:r>
+            <a:r>
+              <a:rPr/>
+              <a:t>palaeoclimate</a:t>
+            </a:r>
+            <a:r>
+              <a:rPr/>
+              <a:t> </a:t>
+            </a:r>
+            <a:r>
+              <a:rPr/>
+              <a:t>reconstruction</a:t>
             </a:r>
           </a:p>
         </p:txBody>
@@ -4106,6 +4261,7 @@
               <a:buAutoNum type="arabicPeriod"/>
             </a:pPr>
             <a:r>
+              <a:rPr/>
               <a:t>We know the ancient proxies and the modern proxy/climate relationship. These are our </a:t>
             </a:r>
             <a:r>
@@ -4113,6 +4269,7 @@
               <a:t>data</a:t>
             </a:r>
             <a:r>
+              <a:rPr/>
               <a:t>. The ancient climate are our unknown </a:t>
             </a:r>
             <a:r>
@@ -4125,6 +4282,7 @@
               <a:buAutoNum type="arabicPeriod"/>
             </a:pPr>
             <a:r>
+              <a:rPr/>
               <a:t>We can build a generative model for how ancient pollen might form from ancient climate</a:t>
             </a:r>
           </a:p>
@@ -4133,6 +4291,7 @@
               <a:buAutoNum type="arabicPeriod"/>
             </a:pPr>
             <a:r>
+              <a:rPr/>
               <a:t>We turn the Bayesian handle to produce a posterior probability distribution of ancient climate given ancient pollen</a:t>
             </a:r>
           </a:p>
@@ -4140,9 +4299,6 @@
       </p:sp>
     </p:spTree>
   </p:cSld>
-  <p:clrMapOvr>
-    <a:masterClrMapping/>
-  </p:clrMapOvr>
 </p:sld>
 </file>
 
@@ -4178,89 +4334,112 @@
           <a:bodyPr/>
           <a:lstStyle/>
           <a:p>
-            <a:pPr marL="0" lvl="0" indent="0">
+            <a:pPr lvl="0" marL="0" indent="0">
               <a:buNone/>
             </a:pPr>
             <a:r>
-              <a:t>Why is this better?</a:t>
-            </a:r>
-          </a:p>
-        </p:txBody>
-      </p:sp>
-      <p:sp>
-        <p:nvSpPr>
-          <p:cNvPr id="3" name="Content Placeholder 2"/>
-          <p:cNvSpPr>
-            <a:spLocks noGrp="1"/>
-          </p:cNvSpPr>
-          <p:nvPr>
-            <p:ph idx="1"/>
-          </p:nvPr>
-        </p:nvSpPr>
-        <p:spPr/>
-        <p:txBody>
-          <a:bodyPr/>
-          <a:lstStyle/>
-          <a:p>
-            <a:pPr lvl="1"/>
-            <a:r>
-              <a:rPr b="1"/>
-              <a:t>Because you get a probability distribution for your unknowns given what you know</a:t>
-            </a:r>
-          </a:p>
-          <a:p>
-            <a:pPr lvl="1"/>
-            <a:r>
-              <a:rPr b="1"/>
-              <a:t>Because you can incorporate external information that you know about your system</a:t>
-            </a:r>
-          </a:p>
-          <a:p>
-            <a:pPr lvl="1"/>
-            <a:r>
-              <a:rPr b="1"/>
-              <a:t>Because it avoids terrible </a:t>
-            </a:r>
-            <a14:m xmlns:a14="http://schemas.microsoft.com/office/drawing/2010/main">
-              <m:oMath xmlns:m="http://schemas.openxmlformats.org/officeDocument/2006/math">
-                <m:r>
-                  <a:rPr>
-                    <a:latin typeface="Cambria Math" panose="02040503050406030204" pitchFamily="18" charset="0"/>
-                  </a:rPr>
-                  <m:t>𝑝</m:t>
-                </m:r>
-              </m:oMath>
-            </a14:m>
-            <a:r>
-              <a:rPr b="1"/>
-              <a:t>-values</a:t>
-            </a:r>
-          </a:p>
-          <a:p>
-            <a:pPr marL="0" lvl="0" indent="0">
-              <a:buNone/>
-            </a:pPr>
-            <a:endParaRPr b="1"/>
-          </a:p>
-          <a:p>
-            <a:pPr marL="0" lvl="0" indent="0">
-              <a:buNone/>
-            </a:pPr>
-            <a:r>
-              <a:rPr i="1"/>
-              <a:t>A p-value, or statistical significance, does not measure the size of an effect or the importance of a result</a:t>
-            </a:r>
-            <a:r>
-              <a:t> - American Statistical Association 2017</a:t>
-            </a:r>
-          </a:p>
-        </p:txBody>
-      </p:sp>
+              <a:rPr/>
+              <a:t>Why</a:t>
+            </a:r>
+            <a:r>
+              <a:rPr/>
+              <a:t> </a:t>
+            </a:r>
+            <a:r>
+              <a:rPr/>
+              <a:t>is</a:t>
+            </a:r>
+            <a:r>
+              <a:rPr/>
+              <a:t> </a:t>
+            </a:r>
+            <a:r>
+              <a:rPr/>
+              <a:t>this</a:t>
+            </a:r>
+            <a:r>
+              <a:rPr/>
+              <a:t> </a:t>
+            </a:r>
+            <a:r>
+              <a:rPr/>
+              <a:t>better?</a:t>
+            </a:r>
+          </a:p>
+        </p:txBody>
+      </p:sp>
+      <mc:AlternateContent xmlns:mc="http://schemas.openxmlformats.org/markup-compatibility/2006">
+        <mc:Choice xmlns:a14="http://schemas.microsoft.com/office/drawing/2010/main" Requires="a14">
+          <p:sp>
+            <p:nvSpPr>
+              <p:cNvPr id="3" name="Content Placeholder 2"/>
+              <p:cNvSpPr>
+                <a:spLocks noGrp="1"/>
+              </p:cNvSpPr>
+              <p:nvPr>
+                <p:ph idx="1"/>
+              </p:nvPr>
+            </p:nvSpPr>
+            <p:spPr/>
+            <p:txBody>
+              <a:bodyPr/>
+              <a:lstStyle/>
+              <a:p>
+                <a:pPr lvl="1"/>
+                <a:r>
+                  <a:rPr b="1"/>
+                  <a:t>Because you get a probability distribution for your unknowns given what you know</a:t>
+                </a:r>
+              </a:p>
+              <a:p>
+                <a:pPr lvl="1"/>
+                <a:r>
+                  <a:rPr b="1"/>
+                  <a:t>Because you can incorporate external information that you know about your system</a:t>
+                </a:r>
+              </a:p>
+              <a:p>
+                <a:pPr lvl="1"/>
+                <a:r>
+                  <a:rPr b="1"/>
+                  <a:t>Because it avoids terrible </a:t>
+                </a:r>
+                <a14:m>
+                  <m:oMath xmlns:m="http://schemas.openxmlformats.org/officeDocument/2006/math">
+                    <m:r>
+                      <m:t>p</m:t>
+                    </m:r>
+                  </m:oMath>
+                </a14:m>
+                <a:r>
+                  <a:rPr b="1"/>
+                  <a:t>-values</a:t>
+                </a:r>
+              </a:p>
+              <a:p>
+                <a:pPr lvl="0" marL="0" indent="0">
+                  <a:buNone/>
+                </a:pPr>
+              </a:p>
+              <a:p>
+                <a:pPr lvl="0" marL="0" indent="0">
+                  <a:buNone/>
+                </a:pPr>
+                <a:r>
+                  <a:rPr i="1"/>
+                  <a:t>A p-value, or statistical significance, does not measure the size of an effect or the importance of a result</a:t>
+                </a:r>
+                <a:r>
+                  <a:rPr/>
+                  <a:t> - American Statistical Association 2017</a:t>
+                </a:r>
+              </a:p>
+            </p:txBody>
+          </p:sp>
+        </mc:Choice>
+      </mc:AlternateContent>
     </p:spTree>
   </p:cSld>
-  <p:clrMapOvr>
-    <a:masterClrMapping/>
-  </p:clrMapOvr>
 </p:sld>
 </file>
 
@@ -4296,18 +4475,59 @@
           <a:bodyPr/>
           <a:lstStyle/>
           <a:p>
-            <a:pPr marL="0" lvl="0" indent="0">
+            <a:pPr lvl="0" marL="0" indent="0">
               <a:buNone/>
             </a:pPr>
             <a:r>
-              <a:t>Ex 1: Kemp et al. 2013 QSR</a:t>
+              <a:rPr/>
+              <a:t>Ex</a:t>
+            </a:r>
+            <a:r>
+              <a:rPr/>
+              <a:t> </a:t>
+            </a:r>
+            <a:r>
+              <a:rPr/>
+              <a:t>1:</a:t>
+            </a:r>
+            <a:r>
+              <a:rPr/>
+              <a:t> </a:t>
+            </a:r>
+            <a:r>
+              <a:rPr/>
+              <a:t>Kemp</a:t>
+            </a:r>
+            <a:r>
+              <a:rPr/>
+              <a:t> </a:t>
+            </a:r>
+            <a:r>
+              <a:rPr/>
+              <a:t>et</a:t>
+            </a:r>
+            <a:r>
+              <a:rPr/>
+              <a:t> </a:t>
+            </a:r>
+            <a:r>
+              <a:rPr/>
+              <a:t>al. 2013</a:t>
+            </a:r>
+            <a:r>
+              <a:rPr/>
+              <a:t> </a:t>
+            </a:r>
+            <a:r>
+              <a:rPr/>
+              <a:t>QSR</a:t>
             </a:r>
           </a:p>
         </p:txBody>
       </p:sp>
       <p:pic>
         <p:nvPicPr>
-          <p:cNvPr id="3" name="Picture 1" descr="https://github.com/andrewcparnell/palsea_20190722/raw/master/age_depth_NY.jpg"/>
+          <p:cNvPr descr="https://github.com/andrewcparnell/palsea_20190722/raw/master/age_depth_NY.jpg" id="0" name="Picture 1"/>
           <p:cNvPicPr>
             <a:picLocks noGrp="1" noChangeAspect="1"/>
           </p:cNvPicPr>
@@ -4321,8 +4541,8 @@
         </p:blipFill>
         <p:spPr bwMode="auto">
           <a:xfrm>
-            <a:off x="457200" y="1841500"/>
-            <a:ext cx="8229600" cy="3124200"/>
+            <a:off x="609600" y="1320800"/>
+            <a:ext cx="10972800" cy="4165600"/>
           </a:xfrm>
           <a:prstGeom prst="rect">
             <a:avLst/>
@@ -4337,9 +4557,6 @@
       </p:pic>
     </p:spTree>
   </p:cSld>
-  <p:clrMapOvr>
-    <a:masterClrMapping/>
-  </p:clrMapOvr>
 </p:sld>
 </file>
 
@@ -4375,18 +4592,59 @@
           <a:bodyPr/>
           <a:lstStyle/>
           <a:p>
-            <a:pPr marL="0" lvl="0" indent="0">
+            <a:pPr lvl="0" marL="0" indent="0">
               <a:buNone/>
             </a:pPr>
             <a:r>
-              <a:t>Ex 2: Cahill et al. 2016 COTP</a:t>
+              <a:rPr/>
+              <a:t>Ex</a:t>
+            </a:r>
+            <a:r>
+              <a:rPr/>
+              <a:t> </a:t>
+            </a:r>
+            <a:r>
+              <a:rPr/>
+              <a:t>2:</a:t>
+            </a:r>
+            <a:r>
+              <a:rPr/>
+              <a:t> </a:t>
+            </a:r>
+            <a:r>
+              <a:rPr/>
+              <a:t>Cahill</a:t>
+            </a:r>
+            <a:r>
+              <a:rPr/>
+              <a:t> </a:t>
+            </a:r>
+            <a:r>
+              <a:rPr/>
+              <a:t>et</a:t>
+            </a:r>
+            <a:r>
+              <a:rPr/>
+              <a:t> </a:t>
+            </a:r>
+            <a:r>
+              <a:rPr/>
+              <a:t>al. 2016</a:t>
+            </a:r>
+            <a:r>
+              <a:rPr/>
+              <a:t> </a:t>
+            </a:r>
+            <a:r>
+              <a:rPr/>
+              <a:t>COTP</a:t>
             </a:r>
           </a:p>
         </p:txBody>
       </p:sp>
       <p:pic>
         <p:nvPicPr>
-          <p:cNvPr id="3" name="Picture 1" descr="https://github.com/andrewcparnell/palsea_20190722/raw/master/bhm_plot.jpg"/>
+          <p:cNvPr descr="https://github.com/andrewcparnell/palsea_20190722/raw/master/bhm_plot.jpg" id="0" name="Picture 1"/>
           <p:cNvPicPr>
             <a:picLocks noGrp="1" noChangeAspect="1"/>
           </p:cNvPicPr>
@@ -4400,7 +4658,7 @@
         </p:blipFill>
         <p:spPr bwMode="auto">
           <a:xfrm>
-            <a:off x="457200" y="1143000"/>
+            <a:off x="1981200" y="1143000"/>
             <a:ext cx="8216900" cy="4521200"/>
           </a:xfrm>
           <a:prstGeom prst="rect">
@@ -4416,9 +4674,6 @@
       </p:pic>
     </p:spTree>
   </p:cSld>
-  <p:clrMapOvr>
-    <a:masterClrMapping/>
-  </p:clrMapOvr>
 </p:sld>
 </file>
 
@@ -4454,11 +4709,36 @@
           <a:bodyPr/>
           <a:lstStyle/>
           <a:p>
-            <a:pPr marL="0" lvl="0" indent="0">
+            <a:pPr lvl="0" marL="0" indent="0">
               <a:buNone/>
             </a:pPr>
             <a:r>
-              <a:t>A note on computation</a:t>
+              <a:rPr/>
+              <a:t>A</a:t>
+            </a:r>
+            <a:r>
+              <a:rPr/>
+              <a:t> </a:t>
+            </a:r>
+            <a:r>
+              <a:rPr/>
+              <a:t>note</a:t>
+            </a:r>
+            <a:r>
+              <a:rPr/>
+              <a:t> </a:t>
+            </a:r>
+            <a:r>
+              <a:rPr/>
+              <a:t>on</a:t>
+            </a:r>
+            <a:r>
+              <a:rPr/>
+              <a:t> </a:t>
+            </a:r>
+            <a:r>
+              <a:rPr/>
+              <a:t>computation</a:t>
             </a:r>
           </a:p>
         </p:txBody>
@@ -4480,6 +4760,7 @@
           <a:p>
             <a:pPr lvl="1"/>
             <a:r>
+              <a:rPr/>
               <a:t>Most methods to compute the posterior distribution (the </a:t>
             </a:r>
             <a:r>
@@ -4487,12 +4768,14 @@
               <a:t>new knowledge</a:t>
             </a:r>
             <a:r>
+              <a:rPr/>
               <a:t>) work via trial and error on the unknown parameters</a:t>
             </a:r>
           </a:p>
           <a:p>
             <a:pPr lvl="1"/>
             <a:r>
+              <a:rPr/>
               <a:t>This means that rather than a single best value you get a </a:t>
             </a:r>
             <a:r>
@@ -4500,11 +4783,12 @@
               <a:t>spreadsheet of values</a:t>
             </a:r>
             <a:r>
+              <a:rPr/>
               <a:t> that match the data</a:t>
             </a:r>
           </a:p>
           <a:p>
-            <a:pPr marL="1270000" lvl="0" indent="0">
+            <a:pPr lvl="0" marL="1270000" indent="0">
               <a:buNone/>
             </a:pPr>
             <a:r>
@@ -4512,20 +4796,17 @@
                 <a:latin typeface="Courier"/>
               </a:rPr>
               <a:t>##   c(t_1) c(t_2) c(t_3)
-## 1  0.911  0.806 -0.629
-## 2 -2.029  0.534  0.319
-## 3  1.736  0.671  0.556
-## 4  1.747 -1.848 -0.531
-## 5 -0.463 -1.247  0.507</a:t>
+## 1  0.826  0.127 -0.258
+## 2  0.288 -1.022 -0.551
+## 3  1.447 -2.819 -0.502
+## 4 -0.842 -1.214  0.267
+## 5  0.143  0.308  1.233</a:t>
             </a:r>
           </a:p>
         </p:txBody>
       </p:sp>
     </p:spTree>
   </p:cSld>
-  <p:clrMapOvr>
-    <a:masterClrMapping/>
-  </p:clrMapOvr>
 </p:sld>
 </file>
 

--- a/index.pptx
+++ b/index.pptx
@@ -4237,7 +4237,7 @@
             </a:r>
             <a:r>
               <a:rPr/>
-              <a:t>reconstruction</a:t>
+              <a:t>reconstruction?</a:t>
             </a:r>
           </a:p>
         </p:txBody>
@@ -4796,11 +4796,11 @@
                 <a:latin typeface="Courier"/>
               </a:rPr>
               <a:t>##   c(t_1) c(t_2) c(t_3)
-## 1  0.826  0.127 -0.258
-## 2  0.288 -1.022 -0.551
-## 3  1.447 -2.819 -0.502
-## 4 -0.842 -1.214  0.267
-## 5  0.143  0.308  1.233</a:t>
+## 1  0.599 -1.629  0.293
+## 2 -0.828 -1.699 -1.065
+## 3  1.704  1.599  1.532
+## 4 -0.326 -1.038 -0.404
+## 5 -0.941  0.468 -0.064</a:t>
             </a:r>
           </a:p>
         </p:txBody>
